--- a/Loan Prediction Presentation.pptx
+++ b/Loan Prediction Presentation.pptx
@@ -336,7 +336,7 @@
           <a:p>
             <a:fld id="{02AC24A9-CCB6-4F8D-B8DB-C2F3692CFA5A}" type="datetimeFigureOut">
               <a:rPr lang="en-US" smtClean="0"/>
-              <a:t>12/18/2020</a:t>
+              <a:t>11/26/22</a:t>
             </a:fld>
             <a:endParaRPr lang="en-US" dirty="0"/>
           </a:p>
@@ -772,7 +772,7 @@
           <a:p>
             <a:fld id="{02AC24A9-CCB6-4F8D-B8DB-C2F3692CFA5A}" type="datetimeFigureOut">
               <a:rPr lang="en-US" smtClean="0"/>
-              <a:t>12/18/2020</a:t>
+              <a:t>11/26/22</a:t>
             </a:fld>
             <a:endParaRPr lang="en-US"/>
           </a:p>
@@ -1022,7 +1022,7 @@
           <a:p>
             <a:fld id="{02AC24A9-CCB6-4F8D-B8DB-C2F3692CFA5A}" type="datetimeFigureOut">
               <a:rPr lang="en-US" smtClean="0"/>
-              <a:t>12/18/2020</a:t>
+              <a:t>11/26/22</a:t>
             </a:fld>
             <a:endParaRPr lang="en-US"/>
           </a:p>
@@ -1330,7 +1330,7 @@
           <a:p>
             <a:fld id="{02AC24A9-CCB6-4F8D-B8DB-C2F3692CFA5A}" type="datetimeFigureOut">
               <a:rPr lang="en-US" smtClean="0"/>
-              <a:t>12/18/2020</a:t>
+              <a:t>11/26/22</a:t>
             </a:fld>
             <a:endParaRPr lang="en-US"/>
           </a:p>
@@ -1648,7 +1648,7 @@
           <a:p>
             <a:fld id="{02AC24A9-CCB6-4F8D-B8DB-C2F3692CFA5A}" type="datetimeFigureOut">
               <a:rPr lang="en-US" smtClean="0"/>
-              <a:t>12/18/2020</a:t>
+              <a:t>11/26/22</a:t>
             </a:fld>
             <a:endParaRPr lang="en-US"/>
           </a:p>
@@ -1950,7 +1950,7 @@
           <a:p>
             <a:fld id="{02AC24A9-CCB6-4F8D-B8DB-C2F3692CFA5A}" type="datetimeFigureOut">
               <a:rPr lang="en-US" smtClean="0"/>
-              <a:t>12/18/2020</a:t>
+              <a:t>11/26/22</a:t>
             </a:fld>
             <a:endParaRPr lang="en-US"/>
           </a:p>
@@ -2317,7 +2317,7 @@
           <a:p>
             <a:fld id="{02AC24A9-CCB6-4F8D-B8DB-C2F3692CFA5A}" type="datetimeFigureOut">
               <a:rPr lang="en-US" smtClean="0"/>
-              <a:t>12/18/2020</a:t>
+              <a:t>11/26/22</a:t>
             </a:fld>
             <a:endParaRPr lang="en-US"/>
           </a:p>
@@ -2491,7 +2491,7 @@
           <a:p>
             <a:fld id="{02AC24A9-CCB6-4F8D-B8DB-C2F3692CFA5A}" type="datetimeFigureOut">
               <a:rPr lang="en-US" smtClean="0"/>
-              <a:t>12/18/2020</a:t>
+              <a:t>11/26/22</a:t>
             </a:fld>
             <a:endParaRPr lang="en-US"/>
           </a:p>
@@ -2671,7 +2671,7 @@
           <a:p>
             <a:fld id="{02AC24A9-CCB6-4F8D-B8DB-C2F3692CFA5A}" type="datetimeFigureOut">
               <a:rPr lang="en-US" smtClean="0"/>
-              <a:t>12/18/2020</a:t>
+              <a:t>11/26/22</a:t>
             </a:fld>
             <a:endParaRPr lang="en-US"/>
           </a:p>
@@ -2841,7 +2841,7 @@
           <a:p>
             <a:fld id="{02AC24A9-CCB6-4F8D-B8DB-C2F3692CFA5A}" type="datetimeFigureOut">
               <a:rPr lang="en-US" smtClean="0"/>
-              <a:t>12/18/2020</a:t>
+              <a:t>11/26/22</a:t>
             </a:fld>
             <a:endParaRPr lang="en-US"/>
           </a:p>
@@ -3091,7 +3091,7 @@
           <a:p>
             <a:fld id="{02AC24A9-CCB6-4F8D-B8DB-C2F3692CFA5A}" type="datetimeFigureOut">
               <a:rPr lang="en-US" smtClean="0"/>
-              <a:t>12/18/2020</a:t>
+              <a:t>11/26/22</a:t>
             </a:fld>
             <a:endParaRPr lang="en-US"/>
           </a:p>
@@ -3327,7 +3327,7 @@
           <a:p>
             <a:fld id="{02AC24A9-CCB6-4F8D-B8DB-C2F3692CFA5A}" type="datetimeFigureOut">
               <a:rPr lang="en-US" smtClean="0"/>
-              <a:t>12/18/2020</a:t>
+              <a:t>11/26/22</a:t>
             </a:fld>
             <a:endParaRPr lang="en-US"/>
           </a:p>
@@ -3709,7 +3709,7 @@
           <a:p>
             <a:fld id="{02AC24A9-CCB6-4F8D-B8DB-C2F3692CFA5A}" type="datetimeFigureOut">
               <a:rPr lang="en-US" smtClean="0"/>
-              <a:t>12/18/2020</a:t>
+              <a:t>11/26/22</a:t>
             </a:fld>
             <a:endParaRPr lang="en-US"/>
           </a:p>
@@ -3827,7 +3827,7 @@
           <a:p>
             <a:fld id="{02AC24A9-CCB6-4F8D-B8DB-C2F3692CFA5A}" type="datetimeFigureOut">
               <a:rPr lang="en-US" smtClean="0"/>
-              <a:t>12/18/2020</a:t>
+              <a:t>11/26/22</a:t>
             </a:fld>
             <a:endParaRPr lang="en-US"/>
           </a:p>
@@ -3922,7 +3922,7 @@
           <a:p>
             <a:fld id="{02AC24A9-CCB6-4F8D-B8DB-C2F3692CFA5A}" type="datetimeFigureOut">
               <a:rPr lang="en-US" smtClean="0"/>
-              <a:t>12/18/2020</a:t>
+              <a:t>11/26/22</a:t>
             </a:fld>
             <a:endParaRPr lang="en-US"/>
           </a:p>
@@ -4177,7 +4177,7 @@
           <a:p>
             <a:fld id="{02AC24A9-CCB6-4F8D-B8DB-C2F3692CFA5A}" type="datetimeFigureOut">
               <a:rPr lang="en-US" smtClean="0"/>
-              <a:t>12/18/2020</a:t>
+              <a:t>11/26/22</a:t>
             </a:fld>
             <a:endParaRPr lang="en-US" dirty="0"/>
           </a:p>
@@ -4460,7 +4460,7 @@
           <a:p>
             <a:fld id="{02AC24A9-CCB6-4F8D-B8DB-C2F3692CFA5A}" type="datetimeFigureOut">
               <a:rPr lang="en-US" smtClean="0"/>
-              <a:t>12/18/2020</a:t>
+              <a:t>11/26/22</a:t>
             </a:fld>
             <a:endParaRPr lang="en-US"/>
           </a:p>
@@ -4866,7 +4866,7 @@
           <a:p>
             <a:fld id="{02AC24A9-CCB6-4F8D-B8DB-C2F3692CFA5A}" type="datetimeFigureOut">
               <a:rPr lang="en-US" smtClean="0"/>
-              <a:t>12/18/2020</a:t>
+              <a:t>11/26/22</a:t>
             </a:fld>
             <a:endParaRPr lang="en-US"/>
           </a:p>
@@ -5582,7 +5582,7 @@
           </a:p>
           <a:p>
             <a:r>
-              <a:rPr lang="en-IN" sz="2400" b="1" dirty="0">
+              <a:rPr lang="en-IN" sz="2400" b="1">
                 <a:effectLst>
                   <a:outerShdw blurRad="38100" dist="38100" dir="2700000" algn="tl">
                     <a:srgbClr val="000000">
@@ -5593,8 +5593,19 @@
                 <a:latin typeface="Abadi" panose="020B0604020202020204" pitchFamily="34" charset="0"/>
                 <a:cs typeface="Aldhabi" panose="020B0604020202020204" pitchFamily="2" charset="-78"/>
               </a:rPr>
-              <a:t>180031368</a:t>
-            </a:r>
+              <a:t>180030039</a:t>
+            </a:r>
+            <a:endParaRPr lang="en-IN" sz="2400" b="1" dirty="0">
+              <a:effectLst>
+                <a:outerShdw blurRad="38100" dist="38100" dir="2700000" algn="tl">
+                  <a:srgbClr val="000000">
+                    <a:alpha val="43137"/>
+                  </a:srgbClr>
+                </a:outerShdw>
+              </a:effectLst>
+              <a:latin typeface="Abadi" panose="020B0604020202020204" pitchFamily="34" charset="0"/>
+              <a:cs typeface="Aldhabi" panose="020B0604020202020204" pitchFamily="2" charset="-78"/>
+            </a:endParaRPr>
           </a:p>
           <a:p>
             <a:r>
